--- a/Documentation/Prezentare.pptx
+++ b/Documentation/Prezentare.pptx
@@ -29,14 +29,14 @@
   <p:notesSz cx="6858000" cy="9144000"/>
   <p:embeddedFontLst>
     <p:embeddedFont>
-      <p:font typeface="Lato" panose="020B0604020202020204" charset="0"/>
+      <p:font typeface="Raleway" panose="020B0604020202020204" charset="0"/>
       <p:regular r:id="rId19"/>
       <p:bold r:id="rId20"/>
       <p:italic r:id="rId21"/>
       <p:boldItalic r:id="rId22"/>
     </p:embeddedFont>
     <p:embeddedFont>
-      <p:font typeface="Raleway" panose="020B0604020202020204" charset="0"/>
+      <p:font typeface="Lato" panose="020B0604020202020204" charset="0"/>
       <p:regular r:id="rId23"/>
       <p:bold r:id="rId24"/>
       <p:italic r:id="rId25"/>
@@ -7338,8 +7338,8 @@
         </p:nvSpPr>
         <p:spPr>
           <a:xfrm>
-            <a:off x="2787257" y="5252999"/>
-            <a:ext cx="3058104" cy="392502"/>
+            <a:off x="3035849" y="5252999"/>
+            <a:ext cx="2560920" cy="392502"/>
           </a:xfrm>
           <a:prstGeom prst="rect">
             <a:avLst/>
@@ -7602,8 +7602,8 @@
           </a:lstStyle>
           <a:p>
             <a:r>
-              <a:rPr lang="ro-RO" sz="1800" dirty="0" smtClean="0"/>
-              <a:t>Absolvent</a:t>
+              <a:rPr lang="en-US" sz="1800" dirty="0" err="1" smtClean="0"/>
+              <a:t>Autor</a:t>
             </a:r>
             <a:r>
               <a:rPr lang="en-US" sz="1800" dirty="0" smtClean="0"/>
@@ -16131,7 +16131,6 @@
               <a:rPr lang="ro-RO" sz="2000" i="0" dirty="0"/>
               <a:t>pentru limba japoneză, care să structureze într-un mod eficient toată informația (vocabularul, gramatica și citirea)</a:t>
             </a:r>
-            <a:endParaRPr lang="ro-RO" sz="2000" i="0" dirty="0"/>
           </a:p>
         </p:txBody>
       </p:sp>
@@ -16417,7 +16416,6 @@
               <a:rPr lang="ro-RO" sz="2000" i="0" dirty="0"/>
               <a:t>spațiat de repetiție (SRS ), folosit pentru învățarea vocabularului</a:t>
             </a:r>
-            <a:endParaRPr lang="ro-RO" sz="2000" i="0" dirty="0"/>
           </a:p>
         </p:txBody>
       </p:sp>

--- a/Documentation/Prezentare.pptx
+++ b/Documentation/Prezentare.pptx
@@ -13908,7 +13908,15 @@
             </a:r>
             <a:r>
               <a:rPr lang="ro-RO" sz="2000" i="0" dirty="0" smtClean="0"/>
-              <a:t>. (conform FSI) </a:t>
+              <a:t>. (conform </a:t>
+            </a:r>
+            <a:r>
+              <a:rPr lang="ro-RO" sz="2000" i="0" dirty="0"/>
+              <a:t>„</a:t>
+            </a:r>
+            <a:r>
+              <a:rPr lang="ro-RO" sz="2000" i="0" dirty="0" smtClean="0"/>
+              <a:t>Foreign Service Institute”) </a:t>
             </a:r>
             <a:endParaRPr sz="2000" i="0" dirty="0"/>
           </a:p>

--- a/Documentation/Prezentare.pptx
+++ b/Documentation/Prezentare.pptx
@@ -21,8 +21,8 @@
     <p:sldId id="288" r:id="rId12"/>
     <p:sldId id="292" r:id="rId13"/>
     <p:sldId id="293" r:id="rId14"/>
-    <p:sldId id="294" r:id="rId15"/>
-    <p:sldId id="262" r:id="rId16"/>
+    <p:sldId id="262" r:id="rId15"/>
+    <p:sldId id="294" r:id="rId16"/>
     <p:sldId id="279" r:id="rId17"/>
   </p:sldIdLst>
   <p:sldSz cx="9144000" cy="6858000" type="screen4x3"/>
@@ -10703,277 +10703,6 @@
   <p:cSld>
     <p:spTree>
       <p:nvGrpSpPr>
-        <p:cNvPr id="1" name=""/>
-        <p:cNvGrpSpPr/>
-        <p:nvPr/>
-      </p:nvGrpSpPr>
-      <p:grpSpPr>
-        <a:xfrm>
-          <a:off x="0" y="0"/>
-          <a:ext cx="0" cy="0"/>
-          <a:chOff x="0" y="0"/>
-          <a:chExt cx="0" cy="0"/>
-        </a:xfrm>
-      </p:grpSpPr>
-      <p:sp>
-        <p:nvSpPr>
-          <p:cNvPr id="2" name="Title 1"/>
-          <p:cNvSpPr>
-            <a:spLocks noGrp="1"/>
-          </p:cNvSpPr>
-          <p:nvPr>
-            <p:ph type="title"/>
-          </p:nvPr>
-        </p:nvSpPr>
-        <p:spPr>
-          <a:xfrm>
-            <a:off x="893700" y="282804"/>
-            <a:ext cx="6462600" cy="842615"/>
-          </a:xfrm>
-        </p:spPr>
-        <p:txBody>
-          <a:bodyPr/>
-          <a:lstStyle/>
-          <a:p>
-            <a:r>
-              <a:rPr lang="ro-RO" dirty="0" smtClean="0"/>
-              <a:t>Concluziile lucrării</a:t>
-            </a:r>
-            <a:endParaRPr lang="en-US" dirty="0"/>
-          </a:p>
-        </p:txBody>
-      </p:sp>
-      <p:sp>
-        <p:nvSpPr>
-          <p:cNvPr id="3" name="Text Placeholder 2"/>
-          <p:cNvSpPr>
-            <a:spLocks noGrp="1"/>
-          </p:cNvSpPr>
-          <p:nvPr>
-            <p:ph type="body" idx="1"/>
-          </p:nvPr>
-        </p:nvSpPr>
-        <p:spPr>
-          <a:xfrm>
-            <a:off x="893700" y="1125419"/>
-            <a:ext cx="7586875" cy="4736400"/>
-          </a:xfrm>
-        </p:spPr>
-        <p:txBody>
-          <a:bodyPr/>
-          <a:lstStyle/>
-          <a:p>
-            <a:r>
-              <a:rPr lang="ro-RO" sz="2400" dirty="0" smtClean="0"/>
-              <a:t>Aplicația reprezintă un bun suport pentru învățarea </a:t>
-            </a:r>
-            <a:r>
-              <a:rPr lang="ro-RO" sz="2400" dirty="0"/>
-              <a:t>limbii </a:t>
-            </a:r>
-            <a:r>
-              <a:rPr lang="ro-RO" sz="2400" dirty="0" smtClean="0"/>
-              <a:t>japoneze</a:t>
-            </a:r>
-            <a:br>
-              <a:rPr lang="ro-RO" sz="2400" dirty="0" smtClean="0"/>
-            </a:br>
-            <a:endParaRPr lang="ro-RO" sz="2400" dirty="0" smtClean="0"/>
-          </a:p>
-          <a:p>
-            <a:r>
-              <a:rPr lang="ro-RO" sz="2400" dirty="0"/>
-              <a:t>Datorită structurii </a:t>
-            </a:r>
-            <a:r>
-              <a:rPr lang="ro-RO" sz="2400" dirty="0" smtClean="0"/>
-              <a:t>aplicației și a </a:t>
-            </a:r>
-            <a:r>
-              <a:rPr lang="ro-RO" sz="2400" dirty="0"/>
-              <a:t>sistemului de </a:t>
-            </a:r>
-            <a:r>
-              <a:rPr lang="ro-RO" sz="2400" dirty="0" smtClean="0"/>
-              <a:t>repetiție, </a:t>
-            </a:r>
-            <a:r>
-              <a:rPr lang="ro-RO" sz="2400" dirty="0"/>
-              <a:t>aplicația oferă utilizatorului eficientizarea procesului de </a:t>
-            </a:r>
-            <a:r>
-              <a:rPr lang="ro-RO" sz="2400" dirty="0" smtClean="0"/>
-              <a:t>învățare</a:t>
-            </a:r>
-            <a:br>
-              <a:rPr lang="ro-RO" sz="2400" dirty="0" smtClean="0"/>
-            </a:br>
-            <a:endParaRPr lang="ro-RO" sz="2400" dirty="0" smtClean="0"/>
-          </a:p>
-          <a:p>
-            <a:r>
-              <a:rPr lang="ro-RO" sz="2400" dirty="0" smtClean="0"/>
-              <a:t>Interfața web oferă o interacțiune plăcută pentru utilizator datorită ilustrațiilor tematice și a caracterului intuitiv, responsive.</a:t>
-            </a:r>
-          </a:p>
-          <a:p>
-            <a:endParaRPr lang="ro-RO" sz="2400" dirty="0"/>
-          </a:p>
-          <a:p>
-            <a:r>
-              <a:rPr lang="ro-RO" sz="2400" dirty="0" smtClean="0"/>
-              <a:t>Materialul de învățare din cadrul aplicației este ușor de</a:t>
-            </a:r>
-            <a:r>
-              <a:rPr lang="ro-RO" sz="2400" dirty="0"/>
-              <a:t> </a:t>
-            </a:r>
-            <a:r>
-              <a:rPr lang="ro-RO" sz="2400" dirty="0" smtClean="0"/>
-              <a:t>extins.</a:t>
-            </a:r>
-            <a:endParaRPr lang="en-US" sz="2400" dirty="0"/>
-          </a:p>
-        </p:txBody>
-      </p:sp>
-      <p:sp>
-        <p:nvSpPr>
-          <p:cNvPr id="4" name="Slide Number Placeholder 3"/>
-          <p:cNvSpPr>
-            <a:spLocks noGrp="1"/>
-          </p:cNvSpPr>
-          <p:nvPr>
-            <p:ph type="sldNum" idx="12"/>
-          </p:nvPr>
-        </p:nvSpPr>
-        <p:spPr/>
-        <p:txBody>
-          <a:bodyPr/>
-          <a:lstStyle/>
-          <a:p>
-            <a:pPr marL="0" lvl="0" indent="0">
-              <a:spcBef>
-                <a:spcPts val="0"/>
-              </a:spcBef>
-              <a:spcAft>
-                <a:spcPts val="0"/>
-              </a:spcAft>
-              <a:buNone/>
-            </a:pPr>
-            <a:fld id="{00000000-1234-1234-1234-123412341234}" type="slidenum">
-              <a:rPr lang="en" smtClean="0"/>
-              <a:t>14</a:t>
-            </a:fld>
-            <a:endParaRPr lang="en"/>
-          </a:p>
-        </p:txBody>
-      </p:sp>
-      <p:grpSp>
-        <p:nvGrpSpPr>
-          <p:cNvPr id="5" name="Group 4"/>
-          <p:cNvGrpSpPr/>
-          <p:nvPr/>
-        </p:nvGrpSpPr>
-        <p:grpSpPr>
-          <a:xfrm>
-            <a:off x="8025414" y="53002"/>
-            <a:ext cx="970504" cy="556441"/>
-            <a:chOff x="8025414" y="53002"/>
-            <a:chExt cx="970504" cy="556441"/>
-          </a:xfrm>
-        </p:grpSpPr>
-        <p:pic>
-          <p:nvPicPr>
-            <p:cNvPr id="6" name="Picture 5" descr="C:\Users\dlargu\Desktop\FiiLogo.png">
-              <a:hlinkClick r:id="rId2" action="ppaction://hlinksldjump"/>
-            </p:cNvPr>
-            <p:cNvPicPr>
-              <a:picLocks noChangeAspect="1" noChangeArrowheads="1"/>
-            </p:cNvPicPr>
-            <p:nvPr/>
-          </p:nvPicPr>
-          <p:blipFill>
-            <a:blip r:embed="rId3">
-              <a:extLst>
-                <a:ext uri="{28A0092B-C50C-407E-A947-70E740481C1C}">
-                  <a14:useLocalDpi xmlns:a14="http://schemas.microsoft.com/office/drawing/2010/main" val="0"/>
-                </a:ext>
-              </a:extLst>
-            </a:blip>
-            <a:srcRect/>
-            <a:stretch>
-              <a:fillRect/>
-            </a:stretch>
-          </p:blipFill>
-          <p:spPr bwMode="auto">
-            <a:xfrm>
-              <a:off x="8575422" y="197331"/>
-              <a:ext cx="420496" cy="388596"/>
-            </a:xfrm>
-            <a:prstGeom prst="rect">
-              <a:avLst/>
-            </a:prstGeom>
-            <a:noFill/>
-            <a:extLst>
-              <a:ext uri="{909E8E84-426E-40DD-AFC4-6F175D3DCCD1}">
-                <a14:hiddenFill xmlns:a14="http://schemas.microsoft.com/office/drawing/2010/main">
-                  <a:solidFill>
-                    <a:srgbClr val="FFFFFF"/>
-                  </a:solidFill>
-                </a14:hiddenFill>
-              </a:ext>
-            </a:extLst>
-          </p:spPr>
-        </p:pic>
-        <p:pic>
-          <p:nvPicPr>
-            <p:cNvPr id="7" name="Picture 6"/>
-            <p:cNvPicPr>
-              <a:picLocks noChangeAspect="1"/>
-            </p:cNvPicPr>
-            <p:nvPr/>
-          </p:nvPicPr>
-          <p:blipFill>
-            <a:blip r:embed="rId4">
-              <a:extLst>
-                <a:ext uri="{28A0092B-C50C-407E-A947-70E740481C1C}">
-                  <a14:useLocalDpi xmlns:a14="http://schemas.microsoft.com/office/drawing/2010/main" val="0"/>
-                </a:ext>
-              </a:extLst>
-            </a:blip>
-            <a:stretch>
-              <a:fillRect/>
-            </a:stretch>
-          </p:blipFill>
-          <p:spPr>
-            <a:xfrm>
-              <a:off x="8025414" y="53002"/>
-              <a:ext cx="550008" cy="556441"/>
-            </a:xfrm>
-            <a:prstGeom prst="rect">
-              <a:avLst/>
-            </a:prstGeom>
-          </p:spPr>
-        </p:pic>
-      </p:grpSp>
-    </p:spTree>
-    <p:extLst>
-      <p:ext uri="{BB962C8B-B14F-4D97-AF65-F5344CB8AC3E}">
-        <p14:creationId xmlns:p14="http://schemas.microsoft.com/office/powerpoint/2010/main" val="3308001257"/>
-      </p:ext>
-    </p:extLst>
-  </p:cSld>
-  <p:clrMapOvr>
-    <a:masterClrMapping/>
-  </p:clrMapOvr>
-</p:sld>
-</file>
-
-<file path=ppt/slides/slide15.xml><?xml version="1.0" encoding="utf-8"?>
-<p:sld xmlns:a="http://schemas.openxmlformats.org/drawingml/2006/main" xmlns:r="http://schemas.openxmlformats.org/officeDocument/2006/relationships" xmlns:p="http://schemas.openxmlformats.org/presentationml/2006/main">
-  <p:cSld>
-    <p:spTree>
-      <p:nvGrpSpPr>
         <p:cNvPr id="1" name="Shape 130"/>
         <p:cNvGrpSpPr/>
         <p:nvPr/>
@@ -12125,7 +11854,7 @@
             </a:pPr>
             <a:fld id="{00000000-1234-1234-1234-123412341234}" type="slidenum">
               <a:rPr lang="en"/>
-              <a:t>15</a:t>
+              <a:t>14</a:t>
             </a:fld>
             <a:endParaRPr/>
           </a:p>
@@ -12234,6 +11963,301 @@
 </p:sld>
 </file>
 
+<file path=ppt/slides/slide15.xml><?xml version="1.0" encoding="utf-8"?>
+<p:sld xmlns:a="http://schemas.openxmlformats.org/drawingml/2006/main" xmlns:r="http://schemas.openxmlformats.org/officeDocument/2006/relationships" xmlns:p="http://schemas.openxmlformats.org/presentationml/2006/main">
+  <p:cSld>
+    <p:spTree>
+      <p:nvGrpSpPr>
+        <p:cNvPr id="1" name=""/>
+        <p:cNvGrpSpPr/>
+        <p:nvPr/>
+      </p:nvGrpSpPr>
+      <p:grpSpPr>
+        <a:xfrm>
+          <a:off x="0" y="0"/>
+          <a:ext cx="0" cy="0"/>
+          <a:chOff x="0" y="0"/>
+          <a:chExt cx="0" cy="0"/>
+        </a:xfrm>
+      </p:grpSpPr>
+      <p:sp>
+        <p:nvSpPr>
+          <p:cNvPr id="2" name="Title 1"/>
+          <p:cNvSpPr>
+            <a:spLocks noGrp="1"/>
+          </p:cNvSpPr>
+          <p:nvPr>
+            <p:ph type="title"/>
+          </p:nvPr>
+        </p:nvSpPr>
+        <p:spPr>
+          <a:xfrm>
+            <a:off x="893700" y="282804"/>
+            <a:ext cx="6462600" cy="842615"/>
+          </a:xfrm>
+        </p:spPr>
+        <p:txBody>
+          <a:bodyPr/>
+          <a:lstStyle/>
+          <a:p>
+            <a:r>
+              <a:rPr lang="ro-RO" dirty="0" smtClean="0"/>
+              <a:t>Concluziile lucrării</a:t>
+            </a:r>
+            <a:endParaRPr lang="en-US" dirty="0"/>
+          </a:p>
+        </p:txBody>
+      </p:sp>
+      <p:sp>
+        <p:nvSpPr>
+          <p:cNvPr id="3" name="Text Placeholder 2"/>
+          <p:cNvSpPr>
+            <a:spLocks noGrp="1"/>
+          </p:cNvSpPr>
+          <p:nvPr>
+            <p:ph type="body" idx="1"/>
+          </p:nvPr>
+        </p:nvSpPr>
+        <p:spPr>
+          <a:xfrm>
+            <a:off x="893700" y="1331365"/>
+            <a:ext cx="7586875" cy="4736400"/>
+          </a:xfrm>
+        </p:spPr>
+        <p:txBody>
+          <a:bodyPr/>
+          <a:lstStyle/>
+          <a:p>
+            <a:r>
+              <a:rPr lang="en-US" sz="2400" dirty="0" smtClean="0"/>
+              <a:t>S</a:t>
+            </a:r>
+            <a:r>
+              <a:rPr lang="ro-RO" sz="2400" dirty="0" smtClean="0"/>
+              <a:t>uport pentru învățarea </a:t>
+            </a:r>
+            <a:r>
+              <a:rPr lang="ro-RO" sz="2400" dirty="0"/>
+              <a:t>limbii </a:t>
+            </a:r>
+            <a:r>
+              <a:rPr lang="ro-RO" sz="2400" dirty="0" smtClean="0"/>
+              <a:t>japoneze</a:t>
+            </a:r>
+            <a:br>
+              <a:rPr lang="ro-RO" sz="2400" dirty="0" smtClean="0"/>
+            </a:br>
+            <a:endParaRPr lang="ro-RO" sz="2400" dirty="0" smtClean="0"/>
+          </a:p>
+          <a:p>
+            <a:r>
+              <a:rPr lang="en-US" sz="2400" dirty="0" smtClean="0"/>
+              <a:t>E</a:t>
+            </a:r>
+            <a:r>
+              <a:rPr lang="ro-RO" sz="2400" dirty="0" smtClean="0"/>
+              <a:t>ficientizarea </a:t>
+            </a:r>
+            <a:r>
+              <a:rPr lang="ro-RO" sz="2400" dirty="0"/>
+              <a:t>procesului de </a:t>
+            </a:r>
+            <a:r>
+              <a:rPr lang="ro-RO" sz="2400" dirty="0" smtClean="0"/>
+              <a:t>învățare</a:t>
+            </a:r>
+            <a:br>
+              <a:rPr lang="ro-RO" sz="2400" dirty="0" smtClean="0"/>
+            </a:br>
+            <a:endParaRPr lang="ro-RO" sz="2400" dirty="0" smtClean="0"/>
+          </a:p>
+          <a:p>
+            <a:r>
+              <a:rPr lang="ro-RO" sz="2400" dirty="0" smtClean="0"/>
+              <a:t>Interfața web: </a:t>
+            </a:r>
+            <a:r>
+              <a:rPr lang="en-US" sz="2400" dirty="0" err="1" smtClean="0"/>
+              <a:t>intuitiv</a:t>
+            </a:r>
+            <a:r>
+              <a:rPr lang="ro-RO" sz="2400" dirty="0"/>
+              <a:t>ă</a:t>
+            </a:r>
+            <a:r>
+              <a:rPr lang="ro-RO" sz="2400" dirty="0" smtClean="0"/>
+              <a:t> și responsive</a:t>
+            </a:r>
+          </a:p>
+          <a:p>
+            <a:endParaRPr lang="en-US" sz="2400" dirty="0" smtClean="0"/>
+          </a:p>
+          <a:p>
+            <a:r>
+              <a:rPr lang="ro-RO" sz="2400" dirty="0" smtClean="0"/>
+              <a:t>Ilustrații tematice</a:t>
+            </a:r>
+          </a:p>
+          <a:p>
+            <a:endParaRPr lang="ro-RO" sz="2400" dirty="0"/>
+          </a:p>
+          <a:p>
+            <a:r>
+              <a:rPr lang="ro-RO" sz="2400" dirty="0" smtClean="0"/>
+              <a:t>Material de învățare ușor de</a:t>
+            </a:r>
+            <a:r>
+              <a:rPr lang="ro-RO" sz="2400" dirty="0"/>
+              <a:t> </a:t>
+            </a:r>
+            <a:r>
+              <a:rPr lang="ro-RO" sz="2400" dirty="0" smtClean="0"/>
+              <a:t>extins</a:t>
+            </a:r>
+            <a:endParaRPr lang="en-US" sz="2400" dirty="0"/>
+          </a:p>
+        </p:txBody>
+      </p:sp>
+      <p:sp>
+        <p:nvSpPr>
+          <p:cNvPr id="4" name="Slide Number Placeholder 3"/>
+          <p:cNvSpPr>
+            <a:spLocks noGrp="1"/>
+          </p:cNvSpPr>
+          <p:nvPr>
+            <p:ph type="sldNum" idx="12"/>
+          </p:nvPr>
+        </p:nvSpPr>
+        <p:spPr/>
+        <p:txBody>
+          <a:bodyPr/>
+          <a:lstStyle/>
+          <a:p>
+            <a:pPr marL="0" lvl="0" indent="0">
+              <a:spcBef>
+                <a:spcPts val="0"/>
+              </a:spcBef>
+              <a:spcAft>
+                <a:spcPts val="0"/>
+              </a:spcAft>
+              <a:buNone/>
+            </a:pPr>
+            <a:fld id="{00000000-1234-1234-1234-123412341234}" type="slidenum">
+              <a:rPr lang="en" smtClean="0"/>
+              <a:t>15</a:t>
+            </a:fld>
+            <a:endParaRPr lang="en"/>
+          </a:p>
+        </p:txBody>
+      </p:sp>
+      <p:grpSp>
+        <p:nvGrpSpPr>
+          <p:cNvPr id="5" name="Group 4"/>
+          <p:cNvGrpSpPr/>
+          <p:nvPr/>
+        </p:nvGrpSpPr>
+        <p:grpSpPr>
+          <a:xfrm>
+            <a:off x="8025414" y="53002"/>
+            <a:ext cx="970504" cy="556441"/>
+            <a:chOff x="8025414" y="53002"/>
+            <a:chExt cx="970504" cy="556441"/>
+          </a:xfrm>
+        </p:grpSpPr>
+        <p:pic>
+          <p:nvPicPr>
+            <p:cNvPr id="6" name="Picture 5" descr="C:\Users\dlargu\Desktop\FiiLogo.png">
+              <a:hlinkClick r:id="rId2" action="ppaction://hlinksldjump"/>
+            </p:cNvPr>
+            <p:cNvPicPr>
+              <a:picLocks noChangeAspect="1" noChangeArrowheads="1"/>
+            </p:cNvPicPr>
+            <p:nvPr/>
+          </p:nvPicPr>
+          <p:blipFill>
+            <a:blip r:embed="rId3">
+              <a:extLst>
+                <a:ext uri="{28A0092B-C50C-407E-A947-70E740481C1C}">
+                  <a14:useLocalDpi xmlns:a14="http://schemas.microsoft.com/office/drawing/2010/main" val="0"/>
+                </a:ext>
+              </a:extLst>
+            </a:blip>
+            <a:srcRect/>
+            <a:stretch>
+              <a:fillRect/>
+            </a:stretch>
+          </p:blipFill>
+          <p:spPr bwMode="auto">
+            <a:xfrm>
+              <a:off x="8575422" y="197331"/>
+              <a:ext cx="420496" cy="388596"/>
+            </a:xfrm>
+            <a:prstGeom prst="rect">
+              <a:avLst/>
+            </a:prstGeom>
+            <a:noFill/>
+            <a:extLst>
+              <a:ext uri="{909E8E84-426E-40DD-AFC4-6F175D3DCCD1}">
+                <a14:hiddenFill xmlns:a14="http://schemas.microsoft.com/office/drawing/2010/main">
+                  <a:solidFill>
+                    <a:srgbClr val="FFFFFF"/>
+                  </a:solidFill>
+                </a14:hiddenFill>
+              </a:ext>
+            </a:extLst>
+          </p:spPr>
+        </p:pic>
+        <p:pic>
+          <p:nvPicPr>
+            <p:cNvPr id="7" name="Picture 6"/>
+            <p:cNvPicPr>
+              <a:picLocks noChangeAspect="1"/>
+            </p:cNvPicPr>
+            <p:nvPr/>
+          </p:nvPicPr>
+          <p:blipFill>
+            <a:blip r:embed="rId4">
+              <a:extLst>
+                <a:ext uri="{28A0092B-C50C-407E-A947-70E740481C1C}">
+                  <a14:useLocalDpi xmlns:a14="http://schemas.microsoft.com/office/drawing/2010/main" val="0"/>
+                </a:ext>
+              </a:extLst>
+            </a:blip>
+            <a:stretch>
+              <a:fillRect/>
+            </a:stretch>
+          </p:blipFill>
+          <p:spPr>
+            <a:xfrm>
+              <a:off x="8025414" y="53002"/>
+              <a:ext cx="550008" cy="556441"/>
+            </a:xfrm>
+            <a:prstGeom prst="rect">
+              <a:avLst/>
+            </a:prstGeom>
+          </p:spPr>
+        </p:pic>
+      </p:grpSp>
+    </p:spTree>
+    <p:extLst>
+      <p:ext uri="{BB962C8B-B14F-4D97-AF65-F5344CB8AC3E}">
+        <p14:creationId xmlns:p14="http://schemas.microsoft.com/office/powerpoint/2010/main" val="3308001257"/>
+      </p:ext>
+    </p:extLst>
+  </p:cSld>
+  <p:clrMapOvr>
+    <a:masterClrMapping/>
+  </p:clrMapOvr>
+  <p:timing>
+    <p:tnLst>
+      <p:par>
+        <p:cTn id="1" dur="indefinite" restart="never" nodeType="tmRoot"/>
+      </p:par>
+    </p:tnLst>
+  </p:timing>
+</p:sld>
+</file>
+
 <file path=ppt/slides/slide16.xml><?xml version="1.0" encoding="utf-8"?>
 <p:sld xmlns:a="http://schemas.openxmlformats.org/drawingml/2006/main" xmlns:r="http://schemas.openxmlformats.org/officeDocument/2006/relationships" xmlns:p="http://schemas.openxmlformats.org/presentationml/2006/main">
   <p:cSld>
@@ -12510,6 +12534,13 @@
   <p:clrMapOvr>
     <a:masterClrMapping/>
   </p:clrMapOvr>
+  <p:timing>
+    <p:tnLst>
+      <p:par>
+        <p:cTn id="1" dur="indefinite" restart="never" nodeType="tmRoot"/>
+      </p:par>
+    </p:tnLst>
+  </p:timing>
 </p:sld>
 </file>
 
@@ -12876,7 +12907,7 @@
         <p:spPr>
           <a:xfrm>
             <a:off x="864374" y="1417650"/>
-            <a:ext cx="6462600" cy="4736400"/>
+            <a:ext cx="7052188" cy="5049053"/>
           </a:xfrm>
           <a:prstGeom prst="rect">
             <a:avLst/>
@@ -12896,10 +12927,10 @@
               <a:buChar char="§"/>
             </a:pPr>
             <a:r>
-              <a:rPr lang="ro-RO" sz="2200" dirty="0" smtClean="0"/>
+              <a:rPr lang="ro-RO" sz="2000" dirty="0" smtClean="0"/>
               <a:t>Motivație</a:t>
             </a:r>
-            <a:endParaRPr sz="2200" dirty="0"/>
+            <a:endParaRPr sz="2000" dirty="0"/>
           </a:p>
           <a:p>
             <a:pPr lvl="0" rtl="0">
@@ -12917,10 +12948,10 @@
               <a:buChar char="§"/>
             </a:pPr>
             <a:r>
-              <a:rPr lang="ro-RO" sz="2200" dirty="0" smtClean="0"/>
-              <a:t>Tehnologiile folosite</a:t>
+              <a:rPr lang="ro-RO" sz="2000" dirty="0" smtClean="0"/>
+              <a:t>Tehnologii folosite</a:t>
             </a:r>
-            <a:endParaRPr sz="2200" dirty="0"/>
+            <a:endParaRPr sz="2000" dirty="0"/>
           </a:p>
           <a:p>
             <a:pPr lvl="0" rtl="0">
@@ -12938,7 +12969,7 @@
               <a:buChar char="§"/>
             </a:pPr>
             <a:r>
-              <a:rPr lang="ro-RO" sz="2200" dirty="0" smtClean="0"/>
+              <a:rPr lang="ro-RO" sz="2000" dirty="0" smtClean="0"/>
               <a:t>Vocabularul limbii japoneze</a:t>
             </a:r>
           </a:p>
@@ -12958,7 +12989,7 @@
               <a:buChar char="§"/>
             </a:pPr>
             <a:r>
-              <a:rPr lang="ro-RO" sz="2200" dirty="0" smtClean="0"/>
+              <a:rPr lang="ro-RO" sz="2000" dirty="0" smtClean="0"/>
               <a:t>Diagrama funcțională a aplicației</a:t>
             </a:r>
           </a:p>
@@ -12978,7 +13009,7 @@
               <a:buChar char="§"/>
             </a:pPr>
             <a:r>
-              <a:rPr lang="ro-RO" sz="2200" dirty="0" smtClean="0"/>
+              <a:rPr lang="ro-RO" sz="2000" dirty="0" smtClean="0"/>
               <a:t>Componentele vocabularului</a:t>
             </a:r>
           </a:p>
@@ -12998,7 +13029,7 @@
               <a:buChar char="§"/>
             </a:pPr>
             <a:r>
-              <a:rPr lang="ro-RO" sz="2200" dirty="0" smtClean="0"/>
+              <a:rPr lang="ro-RO" sz="2000" dirty="0" smtClean="0"/>
               <a:t>Sistemul spațiat de repetiție</a:t>
             </a:r>
           </a:p>
@@ -13018,7 +13049,7 @@
               <a:buChar char="§"/>
             </a:pPr>
             <a:r>
-              <a:rPr lang="ro-RO" sz="2200" dirty="0" smtClean="0"/>
+              <a:rPr lang="ro-RO" sz="2000" dirty="0" smtClean="0"/>
               <a:t>Sesiunea de examinare</a:t>
             </a:r>
           </a:p>
@@ -13038,9 +13069,27 @@
               <a:buChar char="§"/>
             </a:pPr>
             <a:r>
-              <a:rPr lang="ro-RO" sz="2200" dirty="0" smtClean="0"/>
+              <a:rPr lang="ro-RO" sz="2000" dirty="0" smtClean="0"/>
               <a:t>Popularea bazei de date</a:t>
             </a:r>
+            <a:endParaRPr lang="en-US" sz="2000" dirty="0" smtClean="0"/>
+          </a:p>
+          <a:p>
+            <a:pPr lvl="0">
+              <a:lnSpc>
+                <a:spcPct val="150000"/>
+              </a:lnSpc>
+              <a:spcBef>
+                <a:spcPts val="0"/>
+              </a:spcBef>
+              <a:buFont typeface="Wingdings" panose="05000000000000000000" pitchFamily="2" charset="2"/>
+              <a:buChar char="§"/>
+            </a:pPr>
+            <a:r>
+              <a:rPr lang="ro-RO" sz="2000" dirty="0"/>
+              <a:t>DEMO</a:t>
+            </a:r>
+            <a:endParaRPr lang="ro-RO" sz="2000" dirty="0" smtClean="0"/>
           </a:p>
           <a:p>
             <a:pPr lvl="0" rtl="0">
@@ -13058,10 +13107,26 @@
               <a:buChar char="§"/>
             </a:pPr>
             <a:r>
-              <a:rPr lang="ro-RO" sz="2200" dirty="0" smtClean="0"/>
-              <a:t>DEMO</a:t>
+              <a:rPr lang="ro-RO" sz="2000" dirty="0" smtClean="0"/>
+              <a:t>Concluzii</a:t>
             </a:r>
-            <a:endParaRPr sz="2200" dirty="0"/>
+          </a:p>
+          <a:p>
+            <a:pPr lvl="0" rtl="0">
+              <a:lnSpc>
+                <a:spcPct val="150000"/>
+              </a:lnSpc>
+              <a:spcBef>
+                <a:spcPts val="0"/>
+              </a:spcBef>
+              <a:spcAft>
+                <a:spcPts val="0"/>
+              </a:spcAft>
+              <a:buSzPts val="3000"/>
+              <a:buFont typeface="Wingdings" panose="05000000000000000000" pitchFamily="2" charset="2"/>
+              <a:buChar char="§"/>
+            </a:pPr>
+            <a:endParaRPr sz="2000" dirty="0"/>
           </a:p>
         </p:txBody>
       </p:sp>
@@ -13744,94 +13809,36 @@
           </p:txBody>
         </p:sp>
       </p:grpSp>
-      <p:grpSp>
-        <p:nvGrpSpPr>
-          <p:cNvPr id="19" name="Group 18"/>
-          <p:cNvGrpSpPr/>
+      <p:pic>
+        <p:nvPicPr>
+          <p:cNvPr id="3" name="Picture 2"/>
+          <p:cNvPicPr>
+            <a:picLocks noChangeAspect="1"/>
+          </p:cNvPicPr>
           <p:nvPr/>
-        </p:nvGrpSpPr>
-        <p:grpSpPr>
-          <a:xfrm>
-            <a:off x="8025414" y="53002"/>
-            <a:ext cx="970504" cy="556441"/>
-            <a:chOff x="8025414" y="53002"/>
-            <a:chExt cx="970504" cy="556441"/>
-          </a:xfrm>
-        </p:grpSpPr>
-        <p:pic>
-          <p:nvPicPr>
-            <p:cNvPr id="20" name="Picture 19" descr="C:\Users\dlargu\Desktop\FiiLogo.png">
-              <a:hlinkClick r:id="rId3" action="ppaction://hlinksldjump"/>
-            </p:cNvPr>
-            <p:cNvPicPr>
-              <a:picLocks noChangeAspect="1" noChangeArrowheads="1"/>
-            </p:cNvPicPr>
-            <p:nvPr/>
-          </p:nvPicPr>
-          <p:blipFill>
-            <a:blip r:embed="rId4">
-              <a:extLst>
-                <a:ext uri="{28A0092B-C50C-407E-A947-70E740481C1C}">
-                  <a14:useLocalDpi xmlns:a14="http://schemas.microsoft.com/office/drawing/2010/main" val="0"/>
-                </a:ext>
-              </a:extLst>
-            </a:blip>
-            <a:srcRect/>
-            <a:stretch>
-              <a:fillRect/>
-            </a:stretch>
-          </p:blipFill>
-          <p:spPr bwMode="auto">
-            <a:xfrm>
-              <a:off x="8575422" y="197331"/>
-              <a:ext cx="420496" cy="388596"/>
-            </a:xfrm>
-            <a:prstGeom prst="rect">
-              <a:avLst/>
-            </a:prstGeom>
-            <a:noFill/>
+        </p:nvPicPr>
+        <p:blipFill>
+          <a:blip r:embed="rId3">
             <a:extLst>
-              <a:ext uri="{909E8E84-426E-40DD-AFC4-6F175D3DCCD1}">
-                <a14:hiddenFill xmlns:a14="http://schemas.microsoft.com/office/drawing/2010/main">
-                  <a:solidFill>
-                    <a:srgbClr val="FFFFFF"/>
-                  </a:solidFill>
-                </a14:hiddenFill>
+              <a:ext uri="{28A0092B-C50C-407E-A947-70E740481C1C}">
+                <a14:useLocalDpi xmlns:a14="http://schemas.microsoft.com/office/drawing/2010/main" val="0"/>
               </a:ext>
             </a:extLst>
-          </p:spPr>
-        </p:pic>
-        <p:pic>
-          <p:nvPicPr>
-            <p:cNvPr id="21" name="Picture 20"/>
-            <p:cNvPicPr>
-              <a:picLocks noChangeAspect="1"/>
-            </p:cNvPicPr>
-            <p:nvPr/>
-          </p:nvPicPr>
-          <p:blipFill>
-            <a:blip r:embed="rId5">
-              <a:extLst>
-                <a:ext uri="{28A0092B-C50C-407E-A947-70E740481C1C}">
-                  <a14:useLocalDpi xmlns:a14="http://schemas.microsoft.com/office/drawing/2010/main" val="0"/>
-                </a:ext>
-              </a:extLst>
-            </a:blip>
-            <a:stretch>
-              <a:fillRect/>
-            </a:stretch>
-          </p:blipFill>
-          <p:spPr>
-            <a:xfrm>
-              <a:off x="8025414" y="53002"/>
-              <a:ext cx="550008" cy="556441"/>
-            </a:xfrm>
-            <a:prstGeom prst="rect">
-              <a:avLst/>
-            </a:prstGeom>
-          </p:spPr>
-        </p:pic>
-      </p:grpSp>
+          </a:blip>
+          <a:stretch>
+            <a:fillRect/>
+          </a:stretch>
+        </p:blipFill>
+        <p:spPr>
+          <a:xfrm>
+            <a:off x="4390437" y="1384698"/>
+            <a:ext cx="4720611" cy="4613142"/>
+          </a:xfrm>
+          <a:prstGeom prst="rect">
+            <a:avLst/>
+          </a:prstGeom>
+        </p:spPr>
+      </p:pic>
     </p:spTree>
   </p:cSld>
   <p:clrMapOvr>
@@ -16594,7 +16601,7 @@
                   </a:schemeClr>
                 </a:solidFill>
               </a:rPr>
-              <a:t>Tehnologiile folosite</a:t>
+              <a:t>Tehnologii folosite</a:t>
             </a:r>
             <a:endParaRPr sz="3200" dirty="0">
               <a:solidFill>
@@ -19871,8 +19878,8 @@
         </p:nvSpPr>
         <p:spPr>
           <a:xfrm>
-            <a:off x="3514130" y="197331"/>
-            <a:ext cx="2345131" cy="673148"/>
+            <a:off x="1943494" y="180478"/>
+            <a:ext cx="5486400" cy="673148"/>
           </a:xfrm>
           <a:prstGeom prst="rect">
             <a:avLst/>
@@ -20120,7 +20127,7 @@
                   </a:schemeClr>
                 </a:solidFill>
               </a:rPr>
-              <a:t>Vocabularul</a:t>
+              <a:t>Componentele vocabularului</a:t>
             </a:r>
             <a:endParaRPr lang="ro-RO" sz="3200" dirty="0">
               <a:solidFill>

--- a/Documentation/Prezentare.pptx
+++ b/Documentation/Prezentare.pptx
@@ -29,14 +29,14 @@
   <p:notesSz cx="6858000" cy="9144000"/>
   <p:embeddedFontLst>
     <p:embeddedFont>
-      <p:font typeface="Raleway" panose="020B0604020202020204" charset="0"/>
+      <p:font typeface="Lato" panose="020B0604020202020204" charset="0"/>
       <p:regular r:id="rId19"/>
       <p:bold r:id="rId20"/>
       <p:italic r:id="rId21"/>
       <p:boldItalic r:id="rId22"/>
     </p:embeddedFont>
     <p:embeddedFont>
-      <p:font typeface="Lato" panose="020B0604020202020204" charset="0"/>
+      <p:font typeface="Raleway" panose="020B0604020202020204" charset="0"/>
       <p:regular r:id="rId23"/>
       <p:bold r:id="rId24"/>
       <p:italic r:id="rId25"/>
@@ -12852,7 +12852,7 @@
         </p:nvSpPr>
         <p:spPr>
           <a:xfrm>
-            <a:off x="1210636" y="274650"/>
+            <a:off x="1210636" y="654381"/>
             <a:ext cx="6145663" cy="1143000"/>
           </a:xfrm>
           <a:prstGeom prst="rect">
@@ -12906,7 +12906,7 @@
         </p:nvSpPr>
         <p:spPr>
           <a:xfrm>
-            <a:off x="864374" y="1417650"/>
+            <a:off x="864374" y="1920158"/>
             <a:ext cx="7052188" cy="5049053"/>
           </a:xfrm>
           <a:prstGeom prst="rect">
@@ -12927,10 +12927,10 @@
               <a:buChar char="§"/>
             </a:pPr>
             <a:r>
-              <a:rPr lang="ro-RO" sz="2000" dirty="0" smtClean="0"/>
+              <a:rPr lang="ro-RO" sz="2400" dirty="0" smtClean="0"/>
               <a:t>Motivație</a:t>
             </a:r>
-            <a:endParaRPr sz="2000" dirty="0"/>
+            <a:endParaRPr sz="2400" dirty="0"/>
           </a:p>
           <a:p>
             <a:pPr lvl="0" rtl="0">
@@ -12948,10 +12948,10 @@
               <a:buChar char="§"/>
             </a:pPr>
             <a:r>
-              <a:rPr lang="ro-RO" sz="2000" dirty="0" smtClean="0"/>
+              <a:rPr lang="ro-RO" sz="2400" dirty="0" smtClean="0"/>
               <a:t>Tehnologii folosite</a:t>
             </a:r>
-            <a:endParaRPr sz="2000" dirty="0"/>
+            <a:endParaRPr sz="2400" dirty="0"/>
           </a:p>
           <a:p>
             <a:pPr lvl="0" rtl="0">
@@ -12969,9 +12969,10 @@
               <a:buChar char="§"/>
             </a:pPr>
             <a:r>
-              <a:rPr lang="ro-RO" sz="2000" dirty="0" smtClean="0"/>
-              <a:t>Vocabularul limbii japoneze</a:t>
+              <a:rPr lang="ro-RO" sz="2400" dirty="0" smtClean="0"/>
+              <a:t>Structura aplicației</a:t>
             </a:r>
+            <a:endParaRPr lang="ro-RO" sz="2400" dirty="0" smtClean="0"/>
           </a:p>
           <a:p>
             <a:pPr lvl="0" rtl="0">
@@ -12989,9 +12990,27 @@
               <a:buChar char="§"/>
             </a:pPr>
             <a:r>
-              <a:rPr lang="ro-RO" sz="2000" dirty="0" smtClean="0"/>
-              <a:t>Diagrama funcțională a aplicației</a:t>
+              <a:rPr lang="ro-RO" sz="2400" dirty="0" smtClean="0"/>
+              <a:t>Colectarea datelor</a:t>
             </a:r>
+            <a:endParaRPr lang="en-US" sz="2400" dirty="0" smtClean="0"/>
+          </a:p>
+          <a:p>
+            <a:pPr lvl="0">
+              <a:lnSpc>
+                <a:spcPct val="150000"/>
+              </a:lnSpc>
+              <a:spcBef>
+                <a:spcPts val="0"/>
+              </a:spcBef>
+              <a:buFont typeface="Wingdings" panose="05000000000000000000" pitchFamily="2" charset="2"/>
+              <a:buChar char="§"/>
+            </a:pPr>
+            <a:r>
+              <a:rPr lang="ro-RO" sz="2400" dirty="0"/>
+              <a:t>DEMO</a:t>
+            </a:r>
+            <a:endParaRPr lang="ro-RO" sz="2400" dirty="0" smtClean="0"/>
           </a:p>
           <a:p>
             <a:pPr lvl="0" rtl="0">
@@ -13009,105 +13028,7 @@
               <a:buChar char="§"/>
             </a:pPr>
             <a:r>
-              <a:rPr lang="ro-RO" sz="2000" dirty="0" smtClean="0"/>
-              <a:t>Componentele vocabularului</a:t>
-            </a:r>
-          </a:p>
-          <a:p>
-            <a:pPr lvl="0" rtl="0">
-              <a:lnSpc>
-                <a:spcPct val="150000"/>
-              </a:lnSpc>
-              <a:spcBef>
-                <a:spcPts val="0"/>
-              </a:spcBef>
-              <a:spcAft>
-                <a:spcPts val="0"/>
-              </a:spcAft>
-              <a:buSzPts val="3000"/>
-              <a:buFont typeface="Wingdings" panose="05000000000000000000" pitchFamily="2" charset="2"/>
-              <a:buChar char="§"/>
-            </a:pPr>
-            <a:r>
-              <a:rPr lang="ro-RO" sz="2000" dirty="0" smtClean="0"/>
-              <a:t>Sistemul spațiat de repetiție</a:t>
-            </a:r>
-          </a:p>
-          <a:p>
-            <a:pPr lvl="0" rtl="0">
-              <a:lnSpc>
-                <a:spcPct val="150000"/>
-              </a:lnSpc>
-              <a:spcBef>
-                <a:spcPts val="0"/>
-              </a:spcBef>
-              <a:spcAft>
-                <a:spcPts val="0"/>
-              </a:spcAft>
-              <a:buSzPts val="3000"/>
-              <a:buFont typeface="Wingdings" panose="05000000000000000000" pitchFamily="2" charset="2"/>
-              <a:buChar char="§"/>
-            </a:pPr>
-            <a:r>
-              <a:rPr lang="ro-RO" sz="2000" dirty="0" smtClean="0"/>
-              <a:t>Sesiunea de examinare</a:t>
-            </a:r>
-          </a:p>
-          <a:p>
-            <a:pPr lvl="0" rtl="0">
-              <a:lnSpc>
-                <a:spcPct val="150000"/>
-              </a:lnSpc>
-              <a:spcBef>
-                <a:spcPts val="0"/>
-              </a:spcBef>
-              <a:spcAft>
-                <a:spcPts val="0"/>
-              </a:spcAft>
-              <a:buSzPts val="3000"/>
-              <a:buFont typeface="Wingdings" panose="05000000000000000000" pitchFamily="2" charset="2"/>
-              <a:buChar char="§"/>
-            </a:pPr>
-            <a:r>
-              <a:rPr lang="ro-RO" sz="2000" dirty="0" smtClean="0"/>
-              <a:t>Popularea bazei de date</a:t>
-            </a:r>
-            <a:endParaRPr lang="en-US" sz="2000" dirty="0" smtClean="0"/>
-          </a:p>
-          <a:p>
-            <a:pPr lvl="0">
-              <a:lnSpc>
-                <a:spcPct val="150000"/>
-              </a:lnSpc>
-              <a:spcBef>
-                <a:spcPts val="0"/>
-              </a:spcBef>
-              <a:buFont typeface="Wingdings" panose="05000000000000000000" pitchFamily="2" charset="2"/>
-              <a:buChar char="§"/>
-            </a:pPr>
-            <a:r>
-              <a:rPr lang="ro-RO" sz="2000" dirty="0"/>
-              <a:t>DEMO</a:t>
-            </a:r>
-            <a:endParaRPr lang="ro-RO" sz="2000" dirty="0" smtClean="0"/>
-          </a:p>
-          <a:p>
-            <a:pPr lvl="0" rtl="0">
-              <a:lnSpc>
-                <a:spcPct val="150000"/>
-              </a:lnSpc>
-              <a:spcBef>
-                <a:spcPts val="0"/>
-              </a:spcBef>
-              <a:spcAft>
-                <a:spcPts val="0"/>
-              </a:spcAft>
-              <a:buSzPts val="3000"/>
-              <a:buFont typeface="Wingdings" panose="05000000000000000000" pitchFamily="2" charset="2"/>
-              <a:buChar char="§"/>
-            </a:pPr>
-            <a:r>
-              <a:rPr lang="ro-RO" sz="2000" dirty="0" smtClean="0"/>
+              <a:rPr lang="ro-RO" sz="2400" dirty="0" smtClean="0"/>
               <a:t>Concluzii</a:t>
             </a:r>
           </a:p>
@@ -13180,7 +13101,7 @@
         </p:nvGrpSpPr>
         <p:grpSpPr>
           <a:xfrm>
-            <a:off x="864374" y="846150"/>
+            <a:off x="864374" y="1225881"/>
             <a:ext cx="347107" cy="420111"/>
             <a:chOff x="584925" y="922575"/>
             <a:chExt cx="415200" cy="502525"/>
@@ -13831,7 +13752,7 @@
         </p:blipFill>
         <p:spPr>
           <a:xfrm>
-            <a:off x="4390437" y="1384698"/>
+            <a:off x="4283467" y="1090292"/>
             <a:ext cx="4720611" cy="4613142"/>
           </a:xfrm>
           <a:prstGeom prst="rect">
